--- a/阶段提交/软件设计阶段/软件需求分析和设计报告ppt.pptx
+++ b/阶段提交/软件设计阶段/软件需求分析和设计报告ppt.pptx
@@ -216,7 +216,7 @@
           <a:p>
             <a:fld id="{82C89414-46CF-4E97-A03C-BE00D25D7636}" type="datetimeFigureOut">
               <a:rPr lang="zh-CN" altLang="en-US" smtClean="0"/>
-              <a:t>17/4/25</a:t>
+              <a:t>2017/4/25</a:t>
             </a:fld>
             <a:endParaRPr lang="zh-CN" altLang="en-US"/>
           </a:p>
@@ -6164,11 +6164,41 @@
                 <a:tableStyleId>{16D9F66E-5EB9-4882-86FB-DCBF35E3C3E4}</a:tableStyleId>
               </a:tblPr>
               <a:tblGrid>
-                <a:gridCol w="892608"/>
-                <a:gridCol w="892608"/>
-                <a:gridCol w="892608"/>
-                <a:gridCol w="892608"/>
-                <a:gridCol w="893146"/>
+                <a:gridCol w="892608">
+                  <a:extLst>
+                    <a:ext uri="{9D8B030D-6E8A-4147-A177-3AD203B41FA5}">
+                      <a16:colId xmlns:a16="http://schemas.microsoft.com/office/drawing/2014/main" val="20000"/>
+                    </a:ext>
+                  </a:extLst>
+                </a:gridCol>
+                <a:gridCol w="892608">
+                  <a:extLst>
+                    <a:ext uri="{9D8B030D-6E8A-4147-A177-3AD203B41FA5}">
+                      <a16:colId xmlns:a16="http://schemas.microsoft.com/office/drawing/2014/main" val="20001"/>
+                    </a:ext>
+                  </a:extLst>
+                </a:gridCol>
+                <a:gridCol w="892608">
+                  <a:extLst>
+                    <a:ext uri="{9D8B030D-6E8A-4147-A177-3AD203B41FA5}">
+                      <a16:colId xmlns:a16="http://schemas.microsoft.com/office/drawing/2014/main" val="20002"/>
+                    </a:ext>
+                  </a:extLst>
+                </a:gridCol>
+                <a:gridCol w="892608">
+                  <a:extLst>
+                    <a:ext uri="{9D8B030D-6E8A-4147-A177-3AD203B41FA5}">
+                      <a16:colId xmlns:a16="http://schemas.microsoft.com/office/drawing/2014/main" val="20003"/>
+                    </a:ext>
+                  </a:extLst>
+                </a:gridCol>
+                <a:gridCol w="893146">
+                  <a:extLst>
+                    <a:ext uri="{9D8B030D-6E8A-4147-A177-3AD203B41FA5}">
+                      <a16:colId xmlns:a16="http://schemas.microsoft.com/office/drawing/2014/main" val="20004"/>
+                    </a:ext>
+                  </a:extLst>
+                </a:gridCol>
               </a:tblGrid>
               <a:tr h="309911">
                 <a:tc>
@@ -6301,6 +6331,11 @@
                   </a:txBody>
                   <a:tcPr marL="58108" marR="58108" marT="0" marB="0"/>
                 </a:tc>
+                <a:extLst>
+                  <a:ext uri="{0D108BD9-81ED-4DB2-BD59-A6C34878D82A}">
+                    <a16:rowId xmlns:a16="http://schemas.microsoft.com/office/drawing/2014/main" val="10000"/>
+                  </a:ext>
+                </a:extLst>
               </a:tr>
               <a:tr h="0">
                 <a:tc>
@@ -6433,6 +6468,11 @@
                   </a:txBody>
                   <a:tcPr marL="58108" marR="58108" marT="0" marB="0"/>
                 </a:tc>
+                <a:extLst>
+                  <a:ext uri="{0D108BD9-81ED-4DB2-BD59-A6C34878D82A}">
+                    <a16:rowId xmlns:a16="http://schemas.microsoft.com/office/drawing/2014/main" val="10001"/>
+                  </a:ext>
+                </a:extLst>
               </a:tr>
               <a:tr h="309911">
                 <a:tc>
@@ -6565,6 +6605,11 @@
                   </a:txBody>
                   <a:tcPr marL="58108" marR="58108" marT="0" marB="0"/>
                 </a:tc>
+                <a:extLst>
+                  <a:ext uri="{0D108BD9-81ED-4DB2-BD59-A6C34878D82A}">
+                    <a16:rowId xmlns:a16="http://schemas.microsoft.com/office/drawing/2014/main" val="10002"/>
+                  </a:ext>
+                </a:extLst>
               </a:tr>
               <a:tr h="309911">
                 <a:tc>
@@ -6697,6 +6742,11 @@
                   </a:txBody>
                   <a:tcPr marL="58108" marR="58108" marT="0" marB="0"/>
                 </a:tc>
+                <a:extLst>
+                  <a:ext uri="{0D108BD9-81ED-4DB2-BD59-A6C34878D82A}">
+                    <a16:rowId xmlns:a16="http://schemas.microsoft.com/office/drawing/2014/main" val="10003"/>
+                  </a:ext>
+                </a:extLst>
               </a:tr>
               <a:tr h="309911">
                 <a:tc>
@@ -6829,6 +6879,11 @@
                   </a:txBody>
                   <a:tcPr marL="58108" marR="58108" marT="0" marB="0"/>
                 </a:tc>
+                <a:extLst>
+                  <a:ext uri="{0D108BD9-81ED-4DB2-BD59-A6C34878D82A}">
+                    <a16:rowId xmlns:a16="http://schemas.microsoft.com/office/drawing/2014/main" val="10004"/>
+                  </a:ext>
+                </a:extLst>
               </a:tr>
             </a:tbl>
           </a:graphicData>
@@ -6949,11 +7004,41 @@
                 <a:tableStyleId>{16D9F66E-5EB9-4882-86FB-DCBF35E3C3E4}</a:tableStyleId>
               </a:tblPr>
               <a:tblGrid>
-                <a:gridCol w="874998"/>
-                <a:gridCol w="874998"/>
-                <a:gridCol w="874998"/>
-                <a:gridCol w="874998"/>
-                <a:gridCol w="875525"/>
+                <a:gridCol w="874998">
+                  <a:extLst>
+                    <a:ext uri="{9D8B030D-6E8A-4147-A177-3AD203B41FA5}">
+                      <a16:colId xmlns:a16="http://schemas.microsoft.com/office/drawing/2014/main" val="20000"/>
+                    </a:ext>
+                  </a:extLst>
+                </a:gridCol>
+                <a:gridCol w="874998">
+                  <a:extLst>
+                    <a:ext uri="{9D8B030D-6E8A-4147-A177-3AD203B41FA5}">
+                      <a16:colId xmlns:a16="http://schemas.microsoft.com/office/drawing/2014/main" val="20001"/>
+                    </a:ext>
+                  </a:extLst>
+                </a:gridCol>
+                <a:gridCol w="874998">
+                  <a:extLst>
+                    <a:ext uri="{9D8B030D-6E8A-4147-A177-3AD203B41FA5}">
+                      <a16:colId xmlns:a16="http://schemas.microsoft.com/office/drawing/2014/main" val="20002"/>
+                    </a:ext>
+                  </a:extLst>
+                </a:gridCol>
+                <a:gridCol w="874998">
+                  <a:extLst>
+                    <a:ext uri="{9D8B030D-6E8A-4147-A177-3AD203B41FA5}">
+                      <a16:colId xmlns:a16="http://schemas.microsoft.com/office/drawing/2014/main" val="20003"/>
+                    </a:ext>
+                  </a:extLst>
+                </a:gridCol>
+                <a:gridCol w="875525">
+                  <a:extLst>
+                    <a:ext uri="{9D8B030D-6E8A-4147-A177-3AD203B41FA5}">
+                      <a16:colId xmlns:a16="http://schemas.microsoft.com/office/drawing/2014/main" val="20004"/>
+                    </a:ext>
+                  </a:extLst>
+                </a:gridCol>
               </a:tblGrid>
               <a:tr h="315444">
                 <a:tc>
@@ -7086,6 +7171,11 @@
                   </a:txBody>
                   <a:tcPr marL="56961" marR="56961" marT="0" marB="0"/>
                 </a:tc>
+                <a:extLst>
+                  <a:ext uri="{0D108BD9-81ED-4DB2-BD59-A6C34878D82A}">
+                    <a16:rowId xmlns:a16="http://schemas.microsoft.com/office/drawing/2014/main" val="10000"/>
+                  </a:ext>
+                </a:extLst>
               </a:tr>
               <a:tr h="315444">
                 <a:tc>
@@ -7218,6 +7308,11 @@
                   </a:txBody>
                   <a:tcPr marL="56961" marR="56961" marT="0" marB="0"/>
                 </a:tc>
+                <a:extLst>
+                  <a:ext uri="{0D108BD9-81ED-4DB2-BD59-A6C34878D82A}">
+                    <a16:rowId xmlns:a16="http://schemas.microsoft.com/office/drawing/2014/main" val="10001"/>
+                  </a:ext>
+                </a:extLst>
               </a:tr>
             </a:tbl>
           </a:graphicData>
@@ -7428,11 +7523,41 @@
                 <a:tableStyleId>{16D9F66E-5EB9-4882-86FB-DCBF35E3C3E4}</a:tableStyleId>
               </a:tblPr>
               <a:tblGrid>
-                <a:gridCol w="953079"/>
-                <a:gridCol w="882086"/>
-                <a:gridCol w="882086"/>
-                <a:gridCol w="882086"/>
-                <a:gridCol w="882678"/>
+                <a:gridCol w="953079">
+                  <a:extLst>
+                    <a:ext uri="{9D8B030D-6E8A-4147-A177-3AD203B41FA5}">
+                      <a16:colId xmlns:a16="http://schemas.microsoft.com/office/drawing/2014/main" val="20000"/>
+                    </a:ext>
+                  </a:extLst>
+                </a:gridCol>
+                <a:gridCol w="882086">
+                  <a:extLst>
+                    <a:ext uri="{9D8B030D-6E8A-4147-A177-3AD203B41FA5}">
+                      <a16:colId xmlns:a16="http://schemas.microsoft.com/office/drawing/2014/main" val="20001"/>
+                    </a:ext>
+                  </a:extLst>
+                </a:gridCol>
+                <a:gridCol w="882086">
+                  <a:extLst>
+                    <a:ext uri="{9D8B030D-6E8A-4147-A177-3AD203B41FA5}">
+                      <a16:colId xmlns:a16="http://schemas.microsoft.com/office/drawing/2014/main" val="20002"/>
+                    </a:ext>
+                  </a:extLst>
+                </a:gridCol>
+                <a:gridCol w="882086">
+                  <a:extLst>
+                    <a:ext uri="{9D8B030D-6E8A-4147-A177-3AD203B41FA5}">
+                      <a16:colId xmlns:a16="http://schemas.microsoft.com/office/drawing/2014/main" val="20003"/>
+                    </a:ext>
+                  </a:extLst>
+                </a:gridCol>
+                <a:gridCol w="882678">
+                  <a:extLst>
+                    <a:ext uri="{9D8B030D-6E8A-4147-A177-3AD203B41FA5}">
+                      <a16:colId xmlns:a16="http://schemas.microsoft.com/office/drawing/2014/main" val="20004"/>
+                    </a:ext>
+                  </a:extLst>
+                </a:gridCol>
               </a:tblGrid>
               <a:tr h="340766">
                 <a:tc>
@@ -7565,6 +7690,11 @@
                   </a:txBody>
                   <a:tcPr marL="63894" marR="63894" marT="0" marB="0"/>
                 </a:tc>
+                <a:extLst>
+                  <a:ext uri="{0D108BD9-81ED-4DB2-BD59-A6C34878D82A}">
+                    <a16:rowId xmlns:a16="http://schemas.microsoft.com/office/drawing/2014/main" val="10000"/>
+                  </a:ext>
+                </a:extLst>
               </a:tr>
               <a:tr h="340766">
                 <a:tc>
@@ -7697,6 +7827,11 @@
                   </a:txBody>
                   <a:tcPr marL="63894" marR="63894" marT="0" marB="0"/>
                 </a:tc>
+                <a:extLst>
+                  <a:ext uri="{0D108BD9-81ED-4DB2-BD59-A6C34878D82A}">
+                    <a16:rowId xmlns:a16="http://schemas.microsoft.com/office/drawing/2014/main" val="10001"/>
+                  </a:ext>
+                </a:extLst>
               </a:tr>
               <a:tr h="340766">
                 <a:tc>
@@ -7829,6 +7964,11 @@
                   </a:txBody>
                   <a:tcPr marL="63894" marR="63894" marT="0" marB="0"/>
                 </a:tc>
+                <a:extLst>
+                  <a:ext uri="{0D108BD9-81ED-4DB2-BD59-A6C34878D82A}">
+                    <a16:rowId xmlns:a16="http://schemas.microsoft.com/office/drawing/2014/main" val="10002"/>
+                  </a:ext>
+                </a:extLst>
               </a:tr>
             </a:tbl>
           </a:graphicData>
@@ -7859,11 +7999,41 @@
                 <a:tableStyleId>{16D9F66E-5EB9-4882-86FB-DCBF35E3C3E4}</a:tableStyleId>
               </a:tblPr>
               <a:tblGrid>
-                <a:gridCol w="939472"/>
-                <a:gridCol w="945980"/>
-                <a:gridCol w="865521"/>
-                <a:gridCol w="865521"/>
-                <a:gridCol w="865521"/>
+                <a:gridCol w="939472">
+                  <a:extLst>
+                    <a:ext uri="{9D8B030D-6E8A-4147-A177-3AD203B41FA5}">
+                      <a16:colId xmlns:a16="http://schemas.microsoft.com/office/drawing/2014/main" val="20000"/>
+                    </a:ext>
+                  </a:extLst>
+                </a:gridCol>
+                <a:gridCol w="945980">
+                  <a:extLst>
+                    <a:ext uri="{9D8B030D-6E8A-4147-A177-3AD203B41FA5}">
+                      <a16:colId xmlns:a16="http://schemas.microsoft.com/office/drawing/2014/main" val="20001"/>
+                    </a:ext>
+                  </a:extLst>
+                </a:gridCol>
+                <a:gridCol w="865521">
+                  <a:extLst>
+                    <a:ext uri="{9D8B030D-6E8A-4147-A177-3AD203B41FA5}">
+                      <a16:colId xmlns:a16="http://schemas.microsoft.com/office/drawing/2014/main" val="20002"/>
+                    </a:ext>
+                  </a:extLst>
+                </a:gridCol>
+                <a:gridCol w="865521">
+                  <a:extLst>
+                    <a:ext uri="{9D8B030D-6E8A-4147-A177-3AD203B41FA5}">
+                      <a16:colId xmlns:a16="http://schemas.microsoft.com/office/drawing/2014/main" val="20003"/>
+                    </a:ext>
+                  </a:extLst>
+                </a:gridCol>
+                <a:gridCol w="865521">
+                  <a:extLst>
+                    <a:ext uri="{9D8B030D-6E8A-4147-A177-3AD203B41FA5}">
+                      <a16:colId xmlns:a16="http://schemas.microsoft.com/office/drawing/2014/main" val="20004"/>
+                    </a:ext>
+                  </a:extLst>
+                </a:gridCol>
               </a:tblGrid>
               <a:tr h="349956">
                 <a:tc>
@@ -7996,6 +8166,11 @@
                   </a:txBody>
                   <a:tcPr marL="63894" marR="63894" marT="0" marB="0"/>
                 </a:tc>
+                <a:extLst>
+                  <a:ext uri="{0D108BD9-81ED-4DB2-BD59-A6C34878D82A}">
+                    <a16:rowId xmlns:a16="http://schemas.microsoft.com/office/drawing/2014/main" val="10000"/>
+                  </a:ext>
+                </a:extLst>
               </a:tr>
               <a:tr h="349956">
                 <a:tc>
@@ -8128,6 +8303,11 @@
                   </a:txBody>
                   <a:tcPr marL="63894" marR="63894" marT="0" marB="0"/>
                 </a:tc>
+                <a:extLst>
+                  <a:ext uri="{0D108BD9-81ED-4DB2-BD59-A6C34878D82A}">
+                    <a16:rowId xmlns:a16="http://schemas.microsoft.com/office/drawing/2014/main" val="10001"/>
+                  </a:ext>
+                </a:extLst>
               </a:tr>
               <a:tr h="349956">
                 <a:tc>
@@ -8260,6 +8440,11 @@
                   </a:txBody>
                   <a:tcPr marL="63894" marR="63894" marT="0" marB="0"/>
                 </a:tc>
+                <a:extLst>
+                  <a:ext uri="{0D108BD9-81ED-4DB2-BD59-A6C34878D82A}">
+                    <a16:rowId xmlns:a16="http://schemas.microsoft.com/office/drawing/2014/main" val="10002"/>
+                  </a:ext>
+                </a:extLst>
               </a:tr>
             </a:tbl>
           </a:graphicData>
@@ -8380,11 +8565,41 @@
                 <a:tableStyleId>{16D9F66E-5EB9-4882-86FB-DCBF35E3C3E4}</a:tableStyleId>
               </a:tblPr>
               <a:tblGrid>
-                <a:gridCol w="1003935"/>
-                <a:gridCol w="1051560"/>
-                <a:gridCol w="917575"/>
-                <a:gridCol w="922655"/>
-                <a:gridCol w="915035"/>
+                <a:gridCol w="1003935">
+                  <a:extLst>
+                    <a:ext uri="{9D8B030D-6E8A-4147-A177-3AD203B41FA5}">
+                      <a16:colId xmlns:a16="http://schemas.microsoft.com/office/drawing/2014/main" val="20000"/>
+                    </a:ext>
+                  </a:extLst>
+                </a:gridCol>
+                <a:gridCol w="1051560">
+                  <a:extLst>
+                    <a:ext uri="{9D8B030D-6E8A-4147-A177-3AD203B41FA5}">
+                      <a16:colId xmlns:a16="http://schemas.microsoft.com/office/drawing/2014/main" val="20001"/>
+                    </a:ext>
+                  </a:extLst>
+                </a:gridCol>
+                <a:gridCol w="917575">
+                  <a:extLst>
+                    <a:ext uri="{9D8B030D-6E8A-4147-A177-3AD203B41FA5}">
+                      <a16:colId xmlns:a16="http://schemas.microsoft.com/office/drawing/2014/main" val="20002"/>
+                    </a:ext>
+                  </a:extLst>
+                </a:gridCol>
+                <a:gridCol w="922655">
+                  <a:extLst>
+                    <a:ext uri="{9D8B030D-6E8A-4147-A177-3AD203B41FA5}">
+                      <a16:colId xmlns:a16="http://schemas.microsoft.com/office/drawing/2014/main" val="20003"/>
+                    </a:ext>
+                  </a:extLst>
+                </a:gridCol>
+                <a:gridCol w="915035">
+                  <a:extLst>
+                    <a:ext uri="{9D8B030D-6E8A-4147-A177-3AD203B41FA5}">
+                      <a16:colId xmlns:a16="http://schemas.microsoft.com/office/drawing/2014/main" val="20004"/>
+                    </a:ext>
+                  </a:extLst>
+                </a:gridCol>
               </a:tblGrid>
               <a:tr h="0">
                 <a:tc>
@@ -8517,6 +8732,11 @@
                   </a:txBody>
                   <a:tcPr marL="68580" marR="68580" marT="0" marB="0"/>
                 </a:tc>
+                <a:extLst>
+                  <a:ext uri="{0D108BD9-81ED-4DB2-BD59-A6C34878D82A}">
+                    <a16:rowId xmlns:a16="http://schemas.microsoft.com/office/drawing/2014/main" val="10000"/>
+                  </a:ext>
+                </a:extLst>
               </a:tr>
               <a:tr h="0">
                 <a:tc>
@@ -8649,6 +8869,11 @@
                   </a:txBody>
                   <a:tcPr marL="68580" marR="68580" marT="0" marB="0"/>
                 </a:tc>
+                <a:extLst>
+                  <a:ext uri="{0D108BD9-81ED-4DB2-BD59-A6C34878D82A}">
+                    <a16:rowId xmlns:a16="http://schemas.microsoft.com/office/drawing/2014/main" val="10001"/>
+                  </a:ext>
+                </a:extLst>
               </a:tr>
               <a:tr h="0">
                 <a:tc>
@@ -8781,6 +9006,11 @@
                   </a:txBody>
                   <a:tcPr marL="68580" marR="68580" marT="0" marB="0"/>
                 </a:tc>
+                <a:extLst>
+                  <a:ext uri="{0D108BD9-81ED-4DB2-BD59-A6C34878D82A}">
+                    <a16:rowId xmlns:a16="http://schemas.microsoft.com/office/drawing/2014/main" val="10002"/>
+                  </a:ext>
+                </a:extLst>
               </a:tr>
               <a:tr h="0">
                 <a:tc>
@@ -8913,6 +9143,11 @@
                   </a:txBody>
                   <a:tcPr marL="68580" marR="68580" marT="0" marB="0"/>
                 </a:tc>
+                <a:extLst>
+                  <a:ext uri="{0D108BD9-81ED-4DB2-BD59-A6C34878D82A}">
+                    <a16:rowId xmlns:a16="http://schemas.microsoft.com/office/drawing/2014/main" val="10003"/>
+                  </a:ext>
+                </a:extLst>
               </a:tr>
               <a:tr h="0">
                 <a:tc>
@@ -9045,6 +9280,11 @@
                   </a:txBody>
                   <a:tcPr marL="68580" marR="68580" marT="0" marB="0"/>
                 </a:tc>
+                <a:extLst>
+                  <a:ext uri="{0D108BD9-81ED-4DB2-BD59-A6C34878D82A}">
+                    <a16:rowId xmlns:a16="http://schemas.microsoft.com/office/drawing/2014/main" val="10004"/>
+                  </a:ext>
+                </a:extLst>
               </a:tr>
               <a:tr h="0">
                 <a:tc>
@@ -9177,6 +9417,11 @@
                   </a:txBody>
                   <a:tcPr marL="68580" marR="68580" marT="0" marB="0"/>
                 </a:tc>
+                <a:extLst>
+                  <a:ext uri="{0D108BD9-81ED-4DB2-BD59-A6C34878D82A}">
+                    <a16:rowId xmlns:a16="http://schemas.microsoft.com/office/drawing/2014/main" val="10005"/>
+                  </a:ext>
+                </a:extLst>
               </a:tr>
             </a:tbl>
           </a:graphicData>
@@ -12611,16 +12856,6 @@
               </a:rPr>
               <a:t>Design</a:t>
             </a:r>
-            <a:endParaRPr lang="en-US" altLang="zh-CN" sz="1100" dirty="0" smtClean="0">
-              <a:solidFill>
-                <a:schemeClr val="bg1">
-                  <a:lumMod val="50000"/>
-                </a:schemeClr>
-              </a:solidFill>
-              <a:latin typeface="Arial" panose="020B0604020202020204" pitchFamily="34" charset="0"/>
-              <a:ea typeface="微软雅黑" panose="020B0503020204020204" pitchFamily="34" charset="-122"/>
-              <a:sym typeface="Arial" panose="020B0604020202020204" pitchFamily="34" charset="0"/>
-            </a:endParaRPr>
           </a:p>
         </p:txBody>
       </p:sp>
@@ -15784,7 +16019,7 @@
         <p:spPr>
           <a:xfrm>
             <a:off x="6927707" y="2424366"/>
-            <a:ext cx="4371663" cy="2308324"/>
+            <a:ext cx="4371663" cy="2031325"/>
           </a:xfrm>
           <a:prstGeom prst="rect">
             <a:avLst/>
@@ -15877,9 +16112,21 @@
                 <a:latin typeface="Arial" panose="020B0604020202020204" pitchFamily="34" charset="0"/>
                 <a:ea typeface="微软雅黑" panose="020B0503020204020204" pitchFamily="34" charset="-122"/>
               </a:rPr>
-              <a:t>开发人员：方涛，胡恒昌，姜美羡（方涛之妻）</a:t>
+              <a:t>开发人员：方涛，胡恒昌，</a:t>
             </a:r>
-            <a:endParaRPr lang="en-US" dirty="0">
+            <a:r>
+              <a:rPr lang="zh-CN" altLang="en-US" dirty="0" smtClean="0">
+                <a:solidFill>
+                  <a:schemeClr val="bg1">
+                    <a:lumMod val="65000"/>
+                  </a:schemeClr>
+                </a:solidFill>
+                <a:latin typeface="Arial" panose="020B0604020202020204" pitchFamily="34" charset="0"/>
+                <a:ea typeface="微软雅黑" panose="020B0503020204020204" pitchFamily="34" charset="-122"/>
+              </a:rPr>
+              <a:t>姜美羡</a:t>
+            </a:r>
+            <a:endParaRPr lang="en-US" altLang="zh-CN" smtClean="0">
               <a:solidFill>
                 <a:schemeClr val="bg1">
                   <a:lumMod val="65000"/>
@@ -15896,6 +16143,18 @@
               </a:spcAft>
             </a:pPr>
             <a:r>
+              <a:rPr lang="zh-CN" altLang="en-US" smtClean="0">
+                <a:solidFill>
+                  <a:schemeClr val="bg1">
+                    <a:lumMod val="65000"/>
+                  </a:schemeClr>
+                </a:solidFill>
+                <a:latin typeface="Arial" panose="020B0604020202020204" pitchFamily="34" charset="0"/>
+                <a:ea typeface="微软雅黑" panose="020B0503020204020204" pitchFamily="34" charset="-122"/>
+              </a:rPr>
+              <a:t>目标</a:t>
+            </a:r>
+            <a:r>
               <a:rPr lang="zh-CN" altLang="en-US" dirty="0">
                 <a:solidFill>
                   <a:schemeClr val="bg1">
@@ -15905,7 +16164,7 @@
                 <a:latin typeface="Arial" panose="020B0604020202020204" pitchFamily="34" charset="0"/>
                 <a:ea typeface="微软雅黑" panose="020B0503020204020204" pitchFamily="34" charset="-122"/>
               </a:rPr>
-              <a:t>目标用户：在校本科大学生，教师等人员；</a:t>
+              <a:t>用户：在校本科大学生，教师等人员；</a:t>
             </a:r>
             <a:endParaRPr lang="en-US" dirty="0">
               <a:solidFill>
@@ -17277,20 +17536,7 @@
                 <a:ea typeface="微软雅黑" panose="020B0503020204020204" pitchFamily="34" charset="-122"/>
                 <a:sym typeface="Arial" panose="020B0604020202020204" pitchFamily="34" charset="0"/>
               </a:rPr>
-              <a:t>软件</a:t>
-            </a:r>
-            <a:r>
-              <a:rPr lang="zh-CN" altLang="en-US" sz="2655" b="1" dirty="0" smtClean="0">
-                <a:solidFill>
-                  <a:schemeClr val="bg1">
-                    <a:lumMod val="50000"/>
-                  </a:schemeClr>
-                </a:solidFill>
-                <a:latin typeface="Arial" panose="020B0604020202020204" pitchFamily="34" charset="0"/>
-                <a:ea typeface="微软雅黑" panose="020B0503020204020204" pitchFamily="34" charset="-122"/>
-                <a:sym typeface="Arial" panose="020B0604020202020204" pitchFamily="34" charset="0"/>
-              </a:rPr>
-              <a:t>开发计划</a:t>
+              <a:t>软件开发计划</a:t>
             </a:r>
             <a:endParaRPr lang="zh-CN" altLang="en-US" sz="3413" b="1" dirty="0">
               <a:solidFill>
@@ -18985,8 +19231,8 @@
   <p:transition spd="slow" advTm="0">
     <p:push dir="u"/>
   </p:transition>
-  <mc:AlternateContent xmlns:mc="http://schemas.openxmlformats.org/markup-compatibility/2006">
-    <mc:Choice xmlns:p14="http://schemas.microsoft.com/office/powerpoint/2010/main" Requires="p14">
+  <mc:AlternateContent xmlns:mc="http://schemas.openxmlformats.org/markup-compatibility/2006" xmlns:p14="http://schemas.microsoft.com/office/powerpoint/2010/main">
+    <mc:Choice Requires="p14">
       <p:timing>
         <p:tnLst>
           <p:par>
@@ -20801,7 +21047,7 @@
         </p:bldLst>
       </p:timing>
     </mc:Choice>
-    <mc:Fallback>
+    <mc:Fallback xmlns="">
       <p:timing>
         <p:tnLst>
           <p:par>
